--- a/Writing tests - Session 3.pptx
+++ b/Writing tests - Session 3.pptx
@@ -202,7 +202,7 @@
           <a:p>
             <a:fld id="{B06E6352-733A-488D-BE13-AC40BA6AE342}" type="datetimeFigureOut">
               <a:rPr lang="en-US" smtClean="0"/>
-              <a:t>4/4/2018</a:t>
+              <a:t>4/11/2018</a:t>
             </a:fld>
             <a:endParaRPr lang="en-US"/>
           </a:p>
@@ -1209,7 +1209,7 @@
           <a:p>
             <a:fld id="{300289D3-B779-4E42-BF18-0EC845688D24}" type="datetime1">
               <a:rPr lang="en-US" smtClean="0"/>
-              <a:t>4/4/2018</a:t>
+              <a:t>4/11/2018</a:t>
             </a:fld>
             <a:endParaRPr lang="en-US" dirty="0"/>
           </a:p>
@@ -2329,7 +2329,7 @@
           <a:p>
             <a:fld id="{E548F475-4CC5-4C88-95A2-C909A827E43E}" type="datetime1">
               <a:rPr lang="en-US" smtClean="0"/>
-              <a:t>4/4/2018</a:t>
+              <a:t>4/11/2018</a:t>
             </a:fld>
             <a:endParaRPr lang="en-US" dirty="0"/>
           </a:p>
@@ -3340,7 +3340,7 @@
           <a:p>
             <a:fld id="{AF206AFA-E0D5-4D84-B2E9-5DB944CDC981}" type="datetime1">
               <a:rPr lang="en-US" smtClean="0"/>
-              <a:t>4/4/2018</a:t>
+              <a:t>4/11/2018</a:t>
             </a:fld>
             <a:endParaRPr lang="en-US" dirty="0"/>
           </a:p>
@@ -4510,7 +4510,7 @@
           <a:p>
             <a:fld id="{F92A983E-AA78-4179-AF74-0648EF580C6E}" type="datetime1">
               <a:rPr lang="en-US" smtClean="0"/>
-              <a:t>4/4/2018</a:t>
+              <a:t>4/11/2018</a:t>
             </a:fld>
             <a:endParaRPr lang="en-US" dirty="0"/>
           </a:p>
@@ -5571,7 +5571,7 @@
           <a:p>
             <a:fld id="{6A9BE4F4-6AAE-4D02-A1FA-1D10F69F8477}" type="datetime1">
               <a:rPr lang="en-US" smtClean="0"/>
-              <a:t>4/4/2018</a:t>
+              <a:t>4/11/2018</a:t>
             </a:fld>
             <a:endParaRPr lang="en-US" dirty="0"/>
           </a:p>
@@ -6217,7 +6217,7 @@
           <a:p>
             <a:fld id="{2892DC66-C39B-4315-B63B-D840F6F959BA}" type="datetime1">
               <a:rPr lang="en-US" smtClean="0"/>
-              <a:t>4/4/2018</a:t>
+              <a:t>4/11/2018</a:t>
             </a:fld>
             <a:endParaRPr lang="en-US" dirty="0"/>
           </a:p>
@@ -7064,7 +7064,7 @@
           <a:p>
             <a:fld id="{9ECB890D-C1D3-4ADF-B9EE-B501B357D537}" type="datetime1">
               <a:rPr lang="en-US" smtClean="0"/>
-              <a:t>4/4/2018</a:t>
+              <a:t>4/11/2018</a:t>
             </a:fld>
             <a:endParaRPr lang="en-US" dirty="0"/>
           </a:p>
@@ -7239,7 +7239,7 @@
           <a:p>
             <a:fld id="{2EDEE4B5-5116-4ACE-800F-E3F5E3F90D70}" type="datetime1">
               <a:rPr lang="en-US" smtClean="0"/>
-              <a:t>4/4/2018</a:t>
+              <a:t>4/11/2018</a:t>
             </a:fld>
             <a:endParaRPr lang="en-US" dirty="0"/>
           </a:p>
@@ -8237,7 +8237,7 @@
           <a:p>
             <a:fld id="{2980EBCA-8471-4819-8FCF-DC32765F9C97}" type="datetime1">
               <a:rPr lang="en-US" smtClean="0"/>
-              <a:t>4/4/2018</a:t>
+              <a:t>4/11/2018</a:t>
             </a:fld>
             <a:endParaRPr lang="en-US" dirty="0"/>
           </a:p>
@@ -8443,7 +8443,7 @@
           <a:p>
             <a:fld id="{805AC568-939D-46A4-90E2-BE69EDA1ECA2}" type="datetime1">
               <a:rPr lang="en-US" smtClean="0"/>
-              <a:t>4/4/2018</a:t>
+              <a:t>4/11/2018</a:t>
             </a:fld>
             <a:endParaRPr lang="en-US" dirty="0"/>
           </a:p>
@@ -9505,7 +9505,7 @@
           <a:p>
             <a:fld id="{39EE75A1-5F61-4A90-972B-163678D2F184}" type="datetime1">
               <a:rPr lang="en-US" smtClean="0"/>
-              <a:t>4/4/2018</a:t>
+              <a:t>4/11/2018</a:t>
             </a:fld>
             <a:endParaRPr lang="en-US" dirty="0"/>
           </a:p>
@@ -9777,7 +9777,7 @@
           <a:p>
             <a:fld id="{DF54E89D-2239-4E81-9C7B-533257DDE8B0}" type="datetime1">
               <a:rPr lang="en-US" smtClean="0"/>
-              <a:t>4/4/2018</a:t>
+              <a:t>4/11/2018</a:t>
             </a:fld>
             <a:endParaRPr lang="en-US" dirty="0"/>
           </a:p>
@@ -10159,7 +10159,7 @@
           <a:p>
             <a:fld id="{F7529D70-55D2-462C-967D-D61343171C15}" type="datetime1">
               <a:rPr lang="en-US" smtClean="0"/>
-              <a:t>4/4/2018</a:t>
+              <a:t>4/11/2018</a:t>
             </a:fld>
             <a:endParaRPr lang="en-US" dirty="0"/>
           </a:p>
@@ -10277,7 +10277,7 @@
           <a:p>
             <a:fld id="{2D17CBEC-880F-4F65-8739-72C03174FD90}" type="datetime1">
               <a:rPr lang="en-US" smtClean="0"/>
-              <a:t>4/4/2018</a:t>
+              <a:t>4/11/2018</a:t>
             </a:fld>
             <a:endParaRPr lang="en-US" dirty="0"/>
           </a:p>
@@ -10372,7 +10372,7 @@
           <a:p>
             <a:fld id="{ECF78017-22E5-406E-8FDE-4DBDD920EB04}" type="datetime1">
               <a:rPr lang="en-US" smtClean="0"/>
-              <a:t>4/4/2018</a:t>
+              <a:t>4/11/2018</a:t>
             </a:fld>
             <a:endParaRPr lang="en-US" dirty="0"/>
           </a:p>
@@ -11481,7 +11481,7 @@
           <a:p>
             <a:fld id="{C8F41B6E-3C16-414B-9799-E33E639D732B}" type="datetime1">
               <a:rPr lang="en-US" smtClean="0"/>
-              <a:t>4/4/2018</a:t>
+              <a:t>4/11/2018</a:t>
             </a:fld>
             <a:endParaRPr lang="en-US" dirty="0"/>
           </a:p>
@@ -12614,7 +12614,7 @@
           <a:p>
             <a:fld id="{14DC950E-47BE-419F-BC82-F87570CB9DB2}" type="datetime1">
               <a:rPr lang="en-US" smtClean="0"/>
-              <a:t>4/4/2018</a:t>
+              <a:t>4/11/2018</a:t>
             </a:fld>
             <a:endParaRPr lang="en-US" dirty="0"/>
           </a:p>
@@ -13642,7 +13642,7 @@
           <a:p>
             <a:fld id="{94027923-9DEE-496E-8DF5-8984A13B27F6}" type="datetime1">
               <a:rPr lang="en-US" smtClean="0"/>
-              <a:t>4/4/2018</a:t>
+              <a:t>4/11/2018</a:t>
             </a:fld>
             <a:endParaRPr lang="en-US" dirty="0"/>
           </a:p>
@@ -14250,11 +14250,7 @@
           <a:p>
             <a:r>
               <a:rPr lang="en-GB" dirty="0" smtClean="0"/>
-              <a:t>Session </a:t>
-            </a:r>
-            <a:r>
-              <a:rPr lang="en-GB" dirty="0" smtClean="0"/>
-              <a:t>3</a:t>
+              <a:t>Session 3</a:t>
             </a:r>
             <a:endParaRPr lang="en-US" dirty="0"/>
           </a:p>
@@ -14363,15 +14359,7 @@
           <a:p>
             <a:r>
               <a:rPr lang="en-GB" sz="2400" dirty="0" smtClean="0"/>
-              <a:t>Writing </a:t>
-            </a:r>
-            <a:r>
-              <a:rPr lang="en-GB" sz="2400" dirty="0" smtClean="0"/>
-              <a:t>some </a:t>
-            </a:r>
-            <a:r>
-              <a:rPr lang="en-GB" sz="2400" dirty="0" smtClean="0"/>
-              <a:t>more tests for </a:t>
+              <a:t>Writing some more tests for </a:t>
             </a:r>
             <a:r>
               <a:rPr lang="en-GB" sz="2400" dirty="0" err="1" smtClean="0"/>
@@ -14382,17 +14370,8 @@
           <a:p>
             <a:r>
               <a:rPr lang="en-GB" sz="2400" dirty="0" smtClean="0"/>
-              <a:t>Using </a:t>
-            </a:r>
-            <a:r>
-              <a:rPr lang="en-GB" sz="2400" dirty="0" smtClean="0"/>
-              <a:t>substitutes </a:t>
-            </a:r>
-            <a:r>
-              <a:rPr lang="en-GB" sz="2400" dirty="0" smtClean="0"/>
-              <a:t>instead of fakes</a:t>
-            </a:r>
-            <a:endParaRPr lang="en-GB" sz="2400" dirty="0" smtClean="0"/>
+              <a:t>Using substitutes instead of fakes</a:t>
+            </a:r>
           </a:p>
           <a:p>
             <a:r>
@@ -14823,11 +14802,29 @@
           <a:p>
             <a:r>
               <a:rPr lang="en-GB" sz="2400" dirty="0" smtClean="0"/>
-              <a:t>Fork the project and c</a:t>
+              <a:t>Fork the project </a:t>
             </a:r>
             <a:r>
               <a:rPr lang="en-GB" sz="2400" dirty="0" smtClean="0"/>
-              <a:t>reate a branch for your work</a:t>
+              <a:t>on GitHub</a:t>
+            </a:r>
+          </a:p>
+          <a:p>
+            <a:r>
+              <a:rPr lang="en-GB" sz="2400" dirty="0" smtClean="0"/>
+              <a:t>Create </a:t>
+            </a:r>
+            <a:r>
+              <a:rPr lang="en-GB" sz="2400" dirty="0" smtClean="0"/>
+              <a:t>a </a:t>
+            </a:r>
+            <a:r>
+              <a:rPr lang="en-GB" sz="2400" dirty="0" smtClean="0"/>
+              <a:t>new branch </a:t>
+            </a:r>
+            <a:r>
+              <a:rPr lang="en-GB" sz="2400" dirty="0" smtClean="0"/>
+              <a:t>for your work</a:t>
             </a:r>
           </a:p>
           <a:p>
@@ -14841,16 +14838,11 @@
               <a:rPr lang="en-GB" sz="2400" dirty="0" smtClean="0"/>
               <a:t>I will provide personalized feedback to each</a:t>
             </a:r>
-            <a:endParaRPr lang="en-GB" sz="2400" dirty="0" smtClean="0"/>
           </a:p>
           <a:p>
             <a:r>
               <a:rPr lang="en-GB" sz="2400" dirty="0" smtClean="0"/>
-              <a:t>Deadline</a:t>
-            </a:r>
-            <a:r>
-              <a:rPr lang="en-GB" sz="2400" dirty="0" smtClean="0"/>
-              <a:t>: 12:00 on Friday</a:t>
+              <a:t>Deadline: 12:00 on Friday</a:t>
             </a:r>
             <a:endParaRPr lang="en-US" sz="2400" dirty="0"/>
           </a:p>
